--- a/Willams_Brandy/BWilliams_Intro to R Presentation.pptx
+++ b/Willams_Brandy/BWilliams_Intro to R Presentation.pptx
@@ -109,14 +109,6 @@
     </a:lvl9pPr>
   </p:defaultTextStyle>
 </p:presentation>
-</file>
-
-<file path=ppt/revisionInfo.xml><?xml version="1.0" encoding="utf-8"?>
-<p1510:revInfo xmlns:a="http://schemas.openxmlformats.org/drawingml/2006/main" xmlns:r="http://schemas.openxmlformats.org/officeDocument/2006/relationships" xmlns:p1510="http://schemas.microsoft.com/office/powerpoint/2015/10/main">
-  <p1510:revLst>
-    <p1510:client id="{59956DC0-0627-4B98-A21C-A3D1C167018C}" v="89" dt="2023-09-14T16:00:58.090"/>
-  </p1510:revLst>
-</p1510:revInfo>
 </file>
 
 <file path=ppt/diagrams/colors1.xml><?xml version="1.0" encoding="utf-8"?>
@@ -3502,6 +3494,42 @@
           <a:bodyPr/>
           <a:lstStyle/>
           <a:p>
+            <a:r>
+              <a:rPr lang="en-US" dirty="0"/>
+              <a:t>-Ground Nesting Shorebirds</a:t>
+            </a:r>
+          </a:p>
+          <a:p>
+            <a:endParaRPr lang="en-US" dirty="0"/>
+          </a:p>
+          <a:p>
+            <a:r>
+              <a:rPr lang="en-US" dirty="0"/>
+              <a:t>-Rely on Camo</a:t>
+            </a:r>
+          </a:p>
+          <a:p>
+            <a:endParaRPr lang="en-US" dirty="0"/>
+          </a:p>
+          <a:p>
+            <a:r>
+              <a:rPr lang="en-US" dirty="0"/>
+              <a:t>-Backup plan</a:t>
+            </a:r>
+          </a:p>
+          <a:p>
+            <a:r>
+              <a:rPr lang="en-US" dirty="0"/>
+              <a:t>   KD=Loud Brown Bird</a:t>
+            </a:r>
+          </a:p>
+          <a:p>
+            <a:r>
+              <a:rPr lang="en-US" dirty="0"/>
+              <a:t>    BWD (both birds)</a:t>
+            </a:r>
+          </a:p>
+          <a:p>
             <a:endParaRPr lang="en-US" dirty="0"/>
           </a:p>
         </p:txBody>
@@ -3588,8 +3616,31 @@
           <a:p>
             <a:r>
               <a:rPr lang="en-US" dirty="0"/>
-              <a:t>Overall goal is to apply what we learn from Killdeer to potential conservation efforts for the Piping Plover</a:t>
+              <a:t>-Self preservation vs Parental care</a:t>
             </a:r>
+          </a:p>
+          <a:p>
+            <a:r>
+              <a:rPr lang="en-US" dirty="0"/>
+              <a:t>   -Cort and Prolactin; which one rules in BWD</a:t>
+            </a:r>
+          </a:p>
+          <a:p>
+            <a:r>
+              <a:rPr lang="en-US" dirty="0"/>
+              <a:t>-Does this mechanism explain individual variation</a:t>
+            </a:r>
+          </a:p>
+          <a:p>
+            <a:r>
+              <a:rPr lang="en-US" dirty="0"/>
+              <a:t> - Pip benefit from </a:t>
+            </a:r>
+            <a:r>
+              <a:rPr lang="en-US"/>
+              <a:t>KD neighbors?</a:t>
+            </a:r>
+            <a:endParaRPr lang="en-US" dirty="0"/>
           </a:p>
         </p:txBody>
       </p:sp>

--- a/Willams_Brandy/BWilliams_Intro to R Presentation.pptx
+++ b/Willams_Brandy/BWilliams_Intro to R Presentation.pptx
@@ -108,6 +108,11 @@
       </a:defRPr>
     </a:lvl9pPr>
   </p:defaultTextStyle>
+  <p:extLst>
+    <p:ext uri="{EFAFB233-063F-42B5-8137-9DF3F51BA10A}">
+      <p15:sldGuideLst xmlns:p15="http://schemas.microsoft.com/office/powerpoint/2012/main"/>
+    </p:ext>
+  </p:extLst>
 </p:presentation>
 </file>
 
@@ -3500,16 +3505,10 @@
             </a:r>
           </a:p>
           <a:p>
-            <a:endParaRPr lang="en-US" dirty="0"/>
-          </a:p>
-          <a:p>
             <a:r>
               <a:rPr lang="en-US" dirty="0"/>
               <a:t>-Rely on Camo</a:t>
             </a:r>
-          </a:p>
-          <a:p>
-            <a:endParaRPr lang="en-US" dirty="0"/>
           </a:p>
           <a:p>
             <a:r>
@@ -3634,13 +3633,8 @@
           <a:p>
             <a:r>
               <a:rPr lang="en-US" dirty="0"/>
-              <a:t> - Pip benefit from </a:t>
+              <a:t> - Pip benefit from KD neighbors?</a:t>
             </a:r>
-            <a:r>
-              <a:rPr lang="en-US"/>
-              <a:t>KD neighbors?</a:t>
-            </a:r>
-            <a:endParaRPr lang="en-US" dirty="0"/>
           </a:p>
         </p:txBody>
       </p:sp>
